--- a/PPT/team_presentation.pptx
+++ b/PPT/team_presentation.pptx
@@ -3619,10 +3619,11 @@
           <a:bodyPr/>
           <a:lstStyle/>
           <a:p>
-            <a:pPr marL="0" lvl="0" indent="0">
+            <a:pPr marL="0" lvl="0" indent="0" algn="ctr">
               <a:buNone/>
             </a:pPr>
             <a:r>
+              <a:rPr dirty="0"/>
               <a:t>🚀 File Renaming &amp; Postman Collection Generator</a:t>
             </a:r>
           </a:p>
